--- a/ppt presentation.pptx
+++ b/ppt presentation.pptx
@@ -14,8 +14,11 @@
     <p:sldId id="263" r:id="rId8"/>
     <p:sldId id="264" r:id="rId9"/>
     <p:sldId id="259" r:id="rId10"/>
-    <p:sldId id="266" r:id="rId11"/>
-    <p:sldId id="265" r:id="rId12"/>
+    <p:sldId id="269" r:id="rId11"/>
+    <p:sldId id="270" r:id="rId12"/>
+    <p:sldId id="271" r:id="rId13"/>
+    <p:sldId id="266" r:id="rId14"/>
+    <p:sldId id="265" r:id="rId15"/>
   </p:sldIdLst>
   <p:sldSz cx="9144000" cy="6858000" type="screen4x3"/>
   <p:notesSz cx="6858000" cy="9144000"/>
@@ -3211,6 +3214,286 @@
       </p:grpSpPr>
       <p:sp>
         <p:nvSpPr>
+          <p:cNvPr id="2" name="Title 1"/>
+          <p:cNvSpPr>
+            <a:spLocks noGrp="1"/>
+          </p:cNvSpPr>
+          <p:nvPr>
+            <p:ph type="title"/>
+          </p:nvPr>
+        </p:nvSpPr>
+        <p:spPr/>
+        <p:txBody>
+          <a:bodyPr/>
+          <a:lstStyle/>
+          <a:p>
+            <a:r>
+              <a:rPr lang="en-US" sz="3200" dirty="0" smtClean="0"/>
+              <a:t>EDA steps and visualizations</a:t>
+            </a:r>
+            <a:endParaRPr lang="en-IN" dirty="0"/>
+          </a:p>
+        </p:txBody>
+      </p:sp>
+      <p:pic>
+        <p:nvPicPr>
+          <p:cNvPr id="4" name="Content Placeholder 3"/>
+          <p:cNvPicPr>
+            <a:picLocks noGrp="1" noChangeAspect="1"/>
+          </p:cNvPicPr>
+          <p:nvPr>
+            <p:ph idx="1"/>
+          </p:nvPr>
+        </p:nvPicPr>
+        <p:blipFill>
+          <a:blip r:embed="rId2">
+            <a:extLst>
+              <a:ext uri="{28A0092B-C50C-407E-A947-70E740481C1C}">
+                <a14:useLocalDpi xmlns:a14="http://schemas.microsoft.com/office/drawing/2010/main" val="0"/>
+              </a:ext>
+            </a:extLst>
+          </a:blip>
+          <a:stretch>
+            <a:fillRect/>
+          </a:stretch>
+        </p:blipFill>
+        <p:spPr>
+          <a:xfrm>
+            <a:off x="683568" y="2276872"/>
+            <a:ext cx="7677150" cy="3960439"/>
+          </a:xfrm>
+        </p:spPr>
+      </p:pic>
+    </p:spTree>
+    <p:extLst>
+      <p:ext uri="{BB962C8B-B14F-4D97-AF65-F5344CB8AC3E}">
+        <p14:creationId xmlns:p14="http://schemas.microsoft.com/office/powerpoint/2010/main" val="3477591457"/>
+      </p:ext>
+    </p:extLst>
+  </p:cSld>
+  <p:clrMapOvr>
+    <a:masterClrMapping/>
+  </p:clrMapOvr>
+</p:sld>
+</file>
+
+<file path=ppt/slides/slide11.xml><?xml version="1.0" encoding="utf-8"?>
+<p:sld xmlns:a="http://schemas.openxmlformats.org/drawingml/2006/main" xmlns:r="http://schemas.openxmlformats.org/officeDocument/2006/relationships" xmlns:p="http://schemas.openxmlformats.org/presentationml/2006/main">
+  <p:cSld>
+    <p:spTree>
+      <p:nvGrpSpPr>
+        <p:cNvPr id="1" name=""/>
+        <p:cNvGrpSpPr/>
+        <p:nvPr/>
+      </p:nvGrpSpPr>
+      <p:grpSpPr>
+        <a:xfrm>
+          <a:off x="0" y="0"/>
+          <a:ext cx="0" cy="0"/>
+          <a:chOff x="0" y="0"/>
+          <a:chExt cx="0" cy="0"/>
+        </a:xfrm>
+      </p:grpSpPr>
+      <p:sp>
+        <p:nvSpPr>
+          <p:cNvPr id="2" name="Title 1"/>
+          <p:cNvSpPr>
+            <a:spLocks noGrp="1"/>
+          </p:cNvSpPr>
+          <p:nvPr>
+            <p:ph type="title"/>
+          </p:nvPr>
+        </p:nvSpPr>
+        <p:spPr/>
+        <p:txBody>
+          <a:bodyPr/>
+          <a:lstStyle/>
+          <a:p>
+            <a:r>
+              <a:rPr lang="en-US" dirty="0"/>
+              <a:t>EDA steps and </a:t>
+            </a:r>
+            <a:r>
+              <a:rPr lang="en-US" dirty="0" smtClean="0"/>
+              <a:t>visualizations</a:t>
+            </a:r>
+            <a:endParaRPr lang="en-IN" dirty="0"/>
+          </a:p>
+        </p:txBody>
+      </p:sp>
+      <p:pic>
+        <p:nvPicPr>
+          <p:cNvPr id="4" name="Content Placeholder 3"/>
+          <p:cNvPicPr>
+            <a:picLocks noGrp="1" noChangeAspect="1"/>
+          </p:cNvPicPr>
+          <p:nvPr>
+            <p:ph idx="1"/>
+          </p:nvPr>
+        </p:nvPicPr>
+        <p:blipFill>
+          <a:blip r:embed="rId2">
+            <a:extLst>
+              <a:ext uri="{28A0092B-C50C-407E-A947-70E740481C1C}">
+                <a14:useLocalDpi xmlns:a14="http://schemas.microsoft.com/office/drawing/2010/main" val="0"/>
+              </a:ext>
+            </a:extLst>
+          </a:blip>
+          <a:stretch>
+            <a:fillRect/>
+          </a:stretch>
+        </p:blipFill>
+        <p:spPr>
+          <a:xfrm>
+            <a:off x="395536" y="2276872"/>
+            <a:ext cx="7992887" cy="3261370"/>
+          </a:xfrm>
+        </p:spPr>
+      </p:pic>
+    </p:spTree>
+    <p:extLst>
+      <p:ext uri="{BB962C8B-B14F-4D97-AF65-F5344CB8AC3E}">
+        <p14:creationId xmlns:p14="http://schemas.microsoft.com/office/powerpoint/2010/main" val="109201904"/>
+      </p:ext>
+    </p:extLst>
+  </p:cSld>
+  <p:clrMapOvr>
+    <a:masterClrMapping/>
+  </p:clrMapOvr>
+</p:sld>
+</file>
+
+<file path=ppt/slides/slide12.xml><?xml version="1.0" encoding="utf-8"?>
+<p:sld xmlns:a="http://schemas.openxmlformats.org/drawingml/2006/main" xmlns:r="http://schemas.openxmlformats.org/officeDocument/2006/relationships" xmlns:p="http://schemas.openxmlformats.org/presentationml/2006/main">
+  <p:cSld>
+    <p:spTree>
+      <p:nvGrpSpPr>
+        <p:cNvPr id="1" name=""/>
+        <p:cNvGrpSpPr/>
+        <p:nvPr/>
+      </p:nvGrpSpPr>
+      <p:grpSpPr>
+        <a:xfrm>
+          <a:off x="0" y="0"/>
+          <a:ext cx="0" cy="0"/>
+          <a:chOff x="0" y="0"/>
+          <a:chExt cx="0" cy="0"/>
+        </a:xfrm>
+      </p:grpSpPr>
+      <p:sp>
+        <p:nvSpPr>
+          <p:cNvPr id="2" name="Title 1"/>
+          <p:cNvSpPr>
+            <a:spLocks noGrp="1"/>
+          </p:cNvSpPr>
+          <p:nvPr>
+            <p:ph type="title"/>
+          </p:nvPr>
+        </p:nvSpPr>
+        <p:spPr/>
+        <p:txBody>
+          <a:bodyPr/>
+          <a:lstStyle/>
+          <a:p>
+            <a:r>
+              <a:rPr lang="en-US" dirty="0"/>
+              <a:t>EDA steps and visualizations</a:t>
+            </a:r>
+            <a:endParaRPr lang="en-IN" dirty="0"/>
+          </a:p>
+        </p:txBody>
+      </p:sp>
+      <p:sp>
+        <p:nvSpPr>
+          <p:cNvPr id="3" name="Content Placeholder 2"/>
+          <p:cNvSpPr>
+            <a:spLocks noGrp="1"/>
+          </p:cNvSpPr>
+          <p:nvPr>
+            <p:ph idx="1"/>
+          </p:nvPr>
+        </p:nvSpPr>
+        <p:spPr/>
+        <p:txBody>
+          <a:bodyPr/>
+          <a:lstStyle/>
+          <a:p>
+            <a:pPr marL="0" indent="0">
+              <a:buNone/>
+            </a:pPr>
+            <a:r>
+              <a:rPr lang="en-IN" sz="2400" dirty="0" smtClean="0"/>
+              <a:t>Below graph is showing quickly customer is able to complete their purchase</a:t>
+            </a:r>
+            <a:endParaRPr lang="en-IN" dirty="0" smtClean="0"/>
+          </a:p>
+          <a:p>
+            <a:endParaRPr lang="en-IN" dirty="0"/>
+          </a:p>
+        </p:txBody>
+      </p:sp>
+      <p:pic>
+        <p:nvPicPr>
+          <p:cNvPr id="4" name="Picture 3"/>
+          <p:cNvPicPr>
+            <a:picLocks noChangeAspect="1"/>
+          </p:cNvPicPr>
+          <p:nvPr/>
+        </p:nvPicPr>
+        <p:blipFill>
+          <a:blip r:embed="rId2">
+            <a:extLst>
+              <a:ext uri="{28A0092B-C50C-407E-A947-70E740481C1C}">
+                <a14:useLocalDpi xmlns:a14="http://schemas.microsoft.com/office/drawing/2010/main" val="0"/>
+              </a:ext>
+            </a:extLst>
+          </a:blip>
+          <a:stretch>
+            <a:fillRect/>
+          </a:stretch>
+        </p:blipFill>
+        <p:spPr>
+          <a:xfrm>
+            <a:off x="251520" y="2924944"/>
+            <a:ext cx="8640960" cy="3282224"/>
+          </a:xfrm>
+          <a:prstGeom prst="rect">
+            <a:avLst/>
+          </a:prstGeom>
+        </p:spPr>
+      </p:pic>
+    </p:spTree>
+    <p:extLst>
+      <p:ext uri="{BB962C8B-B14F-4D97-AF65-F5344CB8AC3E}">
+        <p14:creationId xmlns:p14="http://schemas.microsoft.com/office/powerpoint/2010/main" val="2214613183"/>
+      </p:ext>
+    </p:extLst>
+  </p:cSld>
+  <p:clrMapOvr>
+    <a:masterClrMapping/>
+  </p:clrMapOvr>
+</p:sld>
+</file>
+
+<file path=ppt/slides/slide13.xml><?xml version="1.0" encoding="utf-8"?>
+<p:sld xmlns:a="http://schemas.openxmlformats.org/drawingml/2006/main" xmlns:r="http://schemas.openxmlformats.org/officeDocument/2006/relationships" xmlns:p="http://schemas.openxmlformats.org/presentationml/2006/main">
+  <p:cSld>
+    <p:spTree>
+      <p:nvGrpSpPr>
+        <p:cNvPr id="1" name=""/>
+        <p:cNvGrpSpPr/>
+        <p:nvPr/>
+      </p:nvGrpSpPr>
+      <p:grpSpPr>
+        <a:xfrm>
+          <a:off x="0" y="0"/>
+          <a:ext cx="0" cy="0"/>
+          <a:chOff x="0" y="0"/>
+          <a:chExt cx="0" cy="0"/>
+        </a:xfrm>
+      </p:grpSpPr>
+      <p:sp>
+        <p:nvSpPr>
           <p:cNvPr id="3" name="Title 2"/>
           <p:cNvSpPr>
             <a:spLocks noGrp="1"/>
@@ -3296,7 +3579,7 @@
 </p:sld>
 </file>
 
-<file path=ppt/slides/slide11.xml><?xml version="1.0" encoding="utf-8"?>
+<file path=ppt/slides/slide14.xml><?xml version="1.0" encoding="utf-8"?>
 <p:sld xmlns:a="http://schemas.openxmlformats.org/drawingml/2006/main" xmlns:r="http://schemas.openxmlformats.org/officeDocument/2006/relationships" xmlns:p="http://schemas.openxmlformats.org/presentationml/2006/main">
   <p:cSld>
     <p:spTree>
@@ -3888,21 +4171,11 @@
             </a:r>
           </a:p>
           <a:p>
-            <a:pPr>
-              <a:buFont typeface="Arial" charset="0"/>
-              <a:buChar char="•"/>
-            </a:pPr>
-            <a:r>
-              <a:rPr lang="en-US" sz="1400" dirty="0" smtClean="0"/>
-              <a:t>1. </a:t>
-            </a:r>
-          </a:p>
-          <a:p>
-            <a:pPr>
-              <a:buFont typeface="Arial" charset="0"/>
-              <a:buChar char="•"/>
-            </a:pPr>
-            <a:endParaRPr lang="en-IN" sz="1400" dirty="0"/>
+            <a:r>
+              <a:rPr lang="en-US" sz="1800" dirty="0"/>
+              <a:t>Scope of Customer Retention is one of the foremost benefit offered by customer retention as companies do not need to run mass wide marketing campaigns. Serving the present customer base effectively is cheaper for business in comparison to acquiring new customers.</a:t>
+            </a:r>
+            <a:endParaRPr lang="en-IN" sz="1800" dirty="0"/>
           </a:p>
         </p:txBody>
       </p:sp>
